--- a/LI Inspektor.pptx
+++ b/LI Inspektor.pptx
@@ -110,6 +110,11 @@
       </a:defRPr>
     </a:lvl9pPr>
   </p:defaultTextStyle>
+  <p:extLst>
+    <p:ext uri="{EFAFB233-063F-42B5-8137-9DF3F51BA10A}">
+      <p15:sldGuideLst xmlns:p15="http://schemas.microsoft.com/office/powerpoint/2012/main"/>
+    </p:ext>
+  </p:extLst>
 </p:presentation>
 </file>
 
@@ -195,7 +200,7 @@
           <a:p>
             <a:fld id="{5F39D50A-FEEC-4F17-9A2E-78CBFDA621BC}" type="datetimeFigureOut">
               <a:rPr lang="en-GB" smtClean="0"/>
-              <a:t>05/06/2024</a:t>
+              <a:t>06/06/2024</a:t>
             </a:fld>
             <a:endParaRPr lang="en-GB"/>
           </a:p>
@@ -612,7 +617,7 @@
           <a:p>
             <a:fld id="{C38B9576-69EF-4DD8-AE1A-821208A4C781}" type="datetime1">
               <a:rPr lang="de-DE" smtClean="0"/>
-              <a:t>05.06.2024</a:t>
+              <a:t>06.06.2024</a:t>
             </a:fld>
             <a:endParaRPr lang="en-GB" dirty="0"/>
           </a:p>
@@ -815,7 +820,7 @@
           <a:p>
             <a:fld id="{07442A91-058A-426D-866D-F8604289808C}" type="datetime1">
               <a:rPr lang="de-DE" smtClean="0"/>
-              <a:t>05.06.2024</a:t>
+              <a:t>06.06.2024</a:t>
             </a:fld>
             <a:endParaRPr lang="en-GB"/>
           </a:p>
@@ -1028,7 +1033,7 @@
           <a:p>
             <a:fld id="{C1FBC291-FCE8-4501-AFEA-88CD81E8BF14}" type="datetime1">
               <a:rPr lang="de-DE" smtClean="0"/>
-              <a:t>05.06.2024</a:t>
+              <a:t>06.06.2024</a:t>
             </a:fld>
             <a:endParaRPr lang="en-GB"/>
           </a:p>
@@ -1231,7 +1236,7 @@
           <a:p>
             <a:fld id="{81AECC3C-2892-4338-B43D-01808B2E26C9}" type="datetime1">
               <a:rPr lang="de-DE" smtClean="0"/>
-              <a:t>05.06.2024</a:t>
+              <a:t>06.06.2024</a:t>
             </a:fld>
             <a:endParaRPr lang="en-GB"/>
           </a:p>
@@ -1510,7 +1515,7 @@
           <a:p>
             <a:fld id="{5D91BEC6-5836-4F4A-B229-6CFF939AD256}" type="datetime1">
               <a:rPr lang="de-DE" smtClean="0"/>
-              <a:t>05.06.2024</a:t>
+              <a:t>06.06.2024</a:t>
             </a:fld>
             <a:endParaRPr lang="en-GB"/>
           </a:p>
@@ -1781,7 +1786,7 @@
           <a:p>
             <a:fld id="{9AC4E8AC-BA19-482A-97B7-2C3FE8C38C1E}" type="datetime1">
               <a:rPr lang="de-DE" smtClean="0"/>
-              <a:t>05.06.2024</a:t>
+              <a:t>06.06.2024</a:t>
             </a:fld>
             <a:endParaRPr lang="en-GB"/>
           </a:p>
@@ -2199,7 +2204,7 @@
           <a:p>
             <a:fld id="{858635A3-8FE0-4634-A690-F255285273D1}" type="datetime1">
               <a:rPr lang="de-DE" smtClean="0"/>
-              <a:t>05.06.2024</a:t>
+              <a:t>06.06.2024</a:t>
             </a:fld>
             <a:endParaRPr lang="en-GB" dirty="0"/>
           </a:p>
@@ -2344,7 +2349,7 @@
           <a:p>
             <a:fld id="{94FDC1C7-527B-4D1A-8EA5-05A5848C5736}" type="datetime1">
               <a:rPr lang="de-DE" smtClean="0"/>
-              <a:t>05.06.2024</a:t>
+              <a:t>06.06.2024</a:t>
             </a:fld>
             <a:endParaRPr lang="en-GB"/>
           </a:p>
@@ -2460,7 +2465,7 @@
           <a:p>
             <a:fld id="{50CC40CA-C6E4-4B29-93D2-322A24FCB5B9}" type="datetime1">
               <a:rPr lang="de-DE" smtClean="0"/>
-              <a:t>05.06.2024</a:t>
+              <a:t>06.06.2024</a:t>
             </a:fld>
             <a:endParaRPr lang="en-GB"/>
           </a:p>
@@ -2776,7 +2781,7 @@
           <a:p>
             <a:fld id="{A53EED28-22F8-4265-8ED5-255EFCD6256D}" type="datetime1">
               <a:rPr lang="de-DE" smtClean="0"/>
-              <a:t>05.06.2024</a:t>
+              <a:t>06.06.2024</a:t>
             </a:fld>
             <a:endParaRPr lang="en-GB"/>
           </a:p>
@@ -3068,7 +3073,7 @@
           <a:p>
             <a:fld id="{DAC244C5-FD8E-4D9D-B865-43D2FDC42EBA}" type="datetime1">
               <a:rPr lang="de-DE" smtClean="0"/>
-              <a:t>05.06.2024</a:t>
+              <a:t>06.06.2024</a:t>
             </a:fld>
             <a:endParaRPr lang="en-GB"/>
           </a:p>
@@ -3314,7 +3319,7 @@
           <a:p>
             <a:fld id="{64179518-D46B-4B16-8E36-79B502585035}" type="datetime1">
               <a:rPr lang="de-DE" smtClean="0"/>
-              <a:t>05.06.2024</a:t>
+              <a:t>06.06.2024</a:t>
             </a:fld>
             <a:endParaRPr lang="en-GB" dirty="0"/>
           </a:p>
@@ -4017,7 +4022,7 @@
           <a:p>
             <a:fld id="{30E2F481-DAE9-4858-962A-E83BA69C2576}" type="datetime1">
               <a:rPr lang="de-DE" smtClean="0"/>
-              <a:t>05.06.2024</a:t>
+              <a:t>06.06.2024</a:t>
             </a:fld>
             <a:endParaRPr lang="en-GB"/>
           </a:p>
@@ -4717,7 +4722,7 @@
           <a:p>
             <a:fld id="{718DD27A-9BAC-4DA8-9BCD-4F40F2BD6F05}" type="datetime1">
               <a:rPr lang="de-DE" smtClean="0"/>
-              <a:t>05.06.2024</a:t>
+              <a:t>06.06.2024</a:t>
             </a:fld>
             <a:endParaRPr lang="en-GB"/>
           </a:p>
@@ -5340,7 +5345,7 @@
           <a:p>
             <a:fld id="{718DD27A-9BAC-4DA8-9BCD-4F40F2BD6F05}" type="datetime1">
               <a:rPr lang="de-DE" smtClean="0"/>
-              <a:t>05.06.2024</a:t>
+              <a:t>06.06.2024</a:t>
             </a:fld>
             <a:endParaRPr lang="en-GB"/>
           </a:p>
@@ -5558,7 +5563,7 @@
           <a:p>
             <a:fld id="{9AC4E8AC-BA19-482A-97B7-2C3FE8C38C1E}" type="datetime1">
               <a:rPr lang="de-DE" smtClean="0"/>
-              <a:t>05.06.2024</a:t>
+              <a:t>06.06.2024</a:t>
             </a:fld>
             <a:endParaRPr lang="en-GB"/>
           </a:p>
@@ -5637,13 +5642,42 @@
         </p:nvPicPr>
         <p:blipFill rotWithShape="1">
           <a:blip r:embed="rId2"/>
-          <a:srcRect b="15719"/>
+          <a:srcRect t="1" b="36242"/>
           <a:stretch/>
         </p:blipFill>
         <p:spPr>
           <a:xfrm>
             <a:off x="3480819" y="1533153"/>
-            <a:ext cx="8145012" cy="4496172"/>
+            <a:ext cx="8145012" cy="3401312"/>
+          </a:xfrm>
+          <a:prstGeom prst="rect">
+            <a:avLst/>
+          </a:prstGeom>
+        </p:spPr>
+      </p:pic>
+      <p:pic>
+        <p:nvPicPr>
+          <p:cNvPr id="3" name="Grafik 2">
+            <a:extLst>
+              <a:ext uri="{FF2B5EF4-FFF2-40B4-BE49-F238E27FC236}">
+                <a16:creationId xmlns:a16="http://schemas.microsoft.com/office/drawing/2014/main" id="{EB3FDEBD-2E49-4CE9-AF7D-A3646427585C}"/>
+              </a:ext>
+            </a:extLst>
+          </p:cNvPr>
+          <p:cNvPicPr>
+            <a:picLocks noChangeAspect="1"/>
+          </p:cNvPicPr>
+          <p:nvPr/>
+        </p:nvPicPr>
+        <p:blipFill rotWithShape="1">
+          <a:blip r:embed="rId3"/>
+          <a:srcRect t="17966"/>
+          <a:stretch/>
+        </p:blipFill>
+        <p:spPr>
+          <a:xfrm>
+            <a:off x="3480819" y="2329828"/>
+            <a:ext cx="8103931" cy="3060357"/>
           </a:xfrm>
           <a:prstGeom prst="rect">
             <a:avLst/>
